--- a/TheScienceInPersons (1).pptx
+++ b/TheScienceInPersons (1).pptx
@@ -5,7 +5,7 @@
     <p:sldMasterId id="2147483660" r:id="rId1"/>
   </p:sldMasterIdLst>
   <p:notesMasterIdLst>
-    <p:notesMasterId r:id="rId11"/>
+    <p:notesMasterId r:id="rId12"/>
   </p:notesMasterIdLst>
   <p:sldIdLst>
     <p:sldId id="256" r:id="rId2"/>
@@ -15,8 +15,9 @@
     <p:sldId id="269" r:id="rId6"/>
     <p:sldId id="263" r:id="rId7"/>
     <p:sldId id="265" r:id="rId8"/>
-    <p:sldId id="264" r:id="rId9"/>
-    <p:sldId id="270" r:id="rId10"/>
+    <p:sldId id="271" r:id="rId9"/>
+    <p:sldId id="264" r:id="rId10"/>
+    <p:sldId id="270" r:id="rId11"/>
   </p:sldIdLst>
   <p:sldSz cx="12192000" cy="6858000"/>
   <p:notesSz cx="6858000" cy="9144000"/>
@@ -6338,6 +6339,98 @@
 </p:sld>
 </file>
 
+<file path=ppt/slides/slide10.xml><?xml version="1.0" encoding="utf-8"?>
+<p:sld xmlns:a="http://schemas.openxmlformats.org/drawingml/2006/main" xmlns:r="http://schemas.openxmlformats.org/officeDocument/2006/relationships" xmlns:p="http://schemas.openxmlformats.org/presentationml/2006/main">
+  <p:cSld>
+    <p:spTree>
+      <p:nvGrpSpPr>
+        <p:cNvPr id="1" name=""/>
+        <p:cNvGrpSpPr/>
+        <p:nvPr/>
+      </p:nvGrpSpPr>
+      <p:grpSpPr>
+        <a:xfrm>
+          <a:off x="0" y="0"/>
+          <a:ext cx="0" cy="0"/>
+          <a:chOff x="0" y="0"/>
+          <a:chExt cx="0" cy="0"/>
+        </a:xfrm>
+      </p:grpSpPr>
+      <p:sp>
+        <p:nvSpPr>
+          <p:cNvPr id="2" name="Заголовок 1"/>
+          <p:cNvSpPr>
+            <a:spLocks noGrp="1"/>
+          </p:cNvSpPr>
+          <p:nvPr>
+            <p:ph type="title"/>
+          </p:nvPr>
+        </p:nvSpPr>
+        <p:spPr/>
+        <p:txBody>
+          <a:bodyPr/>
+          <a:lstStyle/>
+          <a:p>
+            <a:r>
+              <a:rPr lang="ru-RU" dirty="0" smtClean="0"/>
+              <a:t>Вывод</a:t>
+            </a:r>
+            <a:endParaRPr lang="ru-RU" dirty="0"/>
+          </a:p>
+        </p:txBody>
+      </p:sp>
+      <p:sp>
+        <p:nvSpPr>
+          <p:cNvPr id="3" name="Объект 2"/>
+          <p:cNvSpPr>
+            <a:spLocks noGrp="1"/>
+          </p:cNvSpPr>
+          <p:nvPr>
+            <p:ph idx="1"/>
+          </p:nvPr>
+        </p:nvSpPr>
+        <p:spPr/>
+        <p:txBody>
+          <a:bodyPr/>
+          <a:lstStyle/>
+          <a:p>
+            <a:pPr marL="0" indent="0" algn="just">
+              <a:buNone/>
+            </a:pPr>
+            <a:r>
+              <a:rPr lang="ru-RU" dirty="0" smtClean="0"/>
+              <a:t>Работа с данным проектом улучшила наше умение работать в команде, ссор и недопониманий почти не было.</a:t>
+            </a:r>
+          </a:p>
+          <a:p>
+            <a:pPr marL="0" indent="0" algn="just">
+              <a:buNone/>
+            </a:pPr>
+            <a:r>
+              <a:rPr lang="ru-RU" dirty="0" smtClean="0"/>
+              <a:t>Также мы изучили новую библиотеку, укрепили умения работать с базой данных и научились получать данные из интернета с помощью </a:t>
+            </a:r>
+            <a:r>
+              <a:rPr lang="en-US" dirty="0" smtClean="0"/>
+              <a:t>requests.</a:t>
+            </a:r>
+            <a:endParaRPr lang="ru-RU" dirty="0"/>
+          </a:p>
+        </p:txBody>
+      </p:sp>
+    </p:spTree>
+    <p:extLst>
+      <p:ext uri="{BB962C8B-B14F-4D97-AF65-F5344CB8AC3E}">
+        <p14:creationId xmlns:p14="http://schemas.microsoft.com/office/powerpoint/2010/main" val="3334488416"/>
+      </p:ext>
+    </p:extLst>
+  </p:cSld>
+  <p:clrMapOvr>
+    <a:masterClrMapping/>
+  </p:clrMapOvr>
+</p:sld>
+</file>
+
 <file path=ppt/slides/slide2.xml><?xml version="1.0" encoding="utf-8"?>
 <p:sld xmlns:a="http://schemas.openxmlformats.org/drawingml/2006/main" xmlns:r="http://schemas.openxmlformats.org/officeDocument/2006/relationships" xmlns:p="http://schemas.openxmlformats.org/presentationml/2006/main">
   <p:cSld>
@@ -6498,8 +6591,8 @@
           </a:p>
           <a:p>
             <a:r>
-              <a:rPr lang="ru-RU" dirty="0"/>
-              <a:t>Библиотеки: </a:t>
+              <a:rPr lang="ru-RU" dirty="0" smtClean="0"/>
+              <a:t>Библиотеки и модули: </a:t>
             </a:r>
             <a:r>
               <a:rPr lang="en-US" dirty="0"/>
@@ -6793,6 +6886,66 @@
           <p:nvPr/>
         </p:nvPicPr>
         <p:blipFill>
+          <a:blip r:embed="rId2">
+            <a:extLst>
+              <a:ext uri="{28A0092B-C50C-407E-A947-70E740481C1C}">
+                <a14:useLocalDpi xmlns:a14="http://schemas.microsoft.com/office/drawing/2010/main" val="0"/>
+              </a:ext>
+            </a:extLst>
+          </a:blip>
+          <a:stretch>
+            <a:fillRect/>
+          </a:stretch>
+        </p:blipFill>
+        <p:spPr>
+          <a:xfrm>
+            <a:off x="2313842" y="664186"/>
+            <a:ext cx="7832481" cy="5470444"/>
+          </a:xfrm>
+          <a:prstGeom prst="rect">
+            <a:avLst/>
+          </a:prstGeom>
+        </p:spPr>
+      </p:pic>
+    </p:spTree>
+    <p:extLst>
+      <p:ext uri="{BB962C8B-B14F-4D97-AF65-F5344CB8AC3E}">
+        <p14:creationId xmlns:p14="http://schemas.microsoft.com/office/powerpoint/2010/main" val="3122504028"/>
+      </p:ext>
+    </p:extLst>
+  </p:cSld>
+  <p:clrMapOvr>
+    <a:masterClrMapping/>
+  </p:clrMapOvr>
+</p:sld>
+</file>
+
+<file path=ppt/slides/slide9.xml><?xml version="1.0" encoding="utf-8"?>
+<p:sld xmlns:a="http://schemas.openxmlformats.org/drawingml/2006/main" xmlns:r="http://schemas.openxmlformats.org/officeDocument/2006/relationships" xmlns:p="http://schemas.openxmlformats.org/presentationml/2006/main">
+  <p:cSld>
+    <p:spTree>
+      <p:nvGrpSpPr>
+        <p:cNvPr id="1" name=""/>
+        <p:cNvGrpSpPr/>
+        <p:nvPr/>
+      </p:nvGrpSpPr>
+      <p:grpSpPr>
+        <a:xfrm>
+          <a:off x="0" y="0"/>
+          <a:ext cx="0" cy="0"/>
+          <a:chOff x="0" y="0"/>
+          <a:chExt cx="0" cy="0"/>
+        </a:xfrm>
+      </p:grpSpPr>
+      <p:pic>
+        <p:nvPicPr>
+          <p:cNvPr id="2" name="Рисунок 1"/>
+          <p:cNvPicPr>
+            <a:picLocks noChangeAspect="1"/>
+          </p:cNvPicPr>
+          <p:nvPr/>
+        </p:nvPicPr>
+        <p:blipFill>
           <a:blip r:embed="rId2"/>
           <a:stretch>
             <a:fillRect/>
@@ -6825,98 +6978,6 @@
       </p:par>
     </p:tnLst>
   </p:timing>
-</p:sld>
-</file>
-
-<file path=ppt/slides/slide9.xml><?xml version="1.0" encoding="utf-8"?>
-<p:sld xmlns:a="http://schemas.openxmlformats.org/drawingml/2006/main" xmlns:r="http://schemas.openxmlformats.org/officeDocument/2006/relationships" xmlns:p="http://schemas.openxmlformats.org/presentationml/2006/main">
-  <p:cSld>
-    <p:spTree>
-      <p:nvGrpSpPr>
-        <p:cNvPr id="1" name=""/>
-        <p:cNvGrpSpPr/>
-        <p:nvPr/>
-      </p:nvGrpSpPr>
-      <p:grpSpPr>
-        <a:xfrm>
-          <a:off x="0" y="0"/>
-          <a:ext cx="0" cy="0"/>
-          <a:chOff x="0" y="0"/>
-          <a:chExt cx="0" cy="0"/>
-        </a:xfrm>
-      </p:grpSpPr>
-      <p:sp>
-        <p:nvSpPr>
-          <p:cNvPr id="2" name="Заголовок 1"/>
-          <p:cNvSpPr>
-            <a:spLocks noGrp="1"/>
-          </p:cNvSpPr>
-          <p:nvPr>
-            <p:ph type="title"/>
-          </p:nvPr>
-        </p:nvSpPr>
-        <p:spPr/>
-        <p:txBody>
-          <a:bodyPr/>
-          <a:lstStyle/>
-          <a:p>
-            <a:r>
-              <a:rPr lang="ru-RU" dirty="0" smtClean="0"/>
-              <a:t>Вывод</a:t>
-            </a:r>
-            <a:endParaRPr lang="ru-RU" dirty="0"/>
-          </a:p>
-        </p:txBody>
-      </p:sp>
-      <p:sp>
-        <p:nvSpPr>
-          <p:cNvPr id="3" name="Объект 2"/>
-          <p:cNvSpPr>
-            <a:spLocks noGrp="1"/>
-          </p:cNvSpPr>
-          <p:nvPr>
-            <p:ph idx="1"/>
-          </p:nvPr>
-        </p:nvSpPr>
-        <p:spPr/>
-        <p:txBody>
-          <a:bodyPr/>
-          <a:lstStyle/>
-          <a:p>
-            <a:pPr marL="0" indent="0" algn="just">
-              <a:buNone/>
-            </a:pPr>
-            <a:r>
-              <a:rPr lang="ru-RU" dirty="0" smtClean="0"/>
-              <a:t>Работа с данным проектом улучшила наше умение работать в команде, ссор и недопониманий почти не было.</a:t>
-            </a:r>
-          </a:p>
-          <a:p>
-            <a:pPr marL="0" indent="0" algn="just">
-              <a:buNone/>
-            </a:pPr>
-            <a:r>
-              <a:rPr lang="ru-RU" dirty="0" smtClean="0"/>
-              <a:t>Также мы изучили новую библиотеку, укрепили умения работать с базой данных и научились получать данные из интернета с помощью </a:t>
-            </a:r>
-            <a:r>
-              <a:rPr lang="en-US" dirty="0" smtClean="0"/>
-              <a:t>requests.</a:t>
-            </a:r>
-            <a:endParaRPr lang="ru-RU" dirty="0"/>
-          </a:p>
-        </p:txBody>
-      </p:sp>
-    </p:spTree>
-    <p:extLst>
-      <p:ext uri="{BB962C8B-B14F-4D97-AF65-F5344CB8AC3E}">
-        <p14:creationId xmlns:p14="http://schemas.microsoft.com/office/powerpoint/2010/main" val="3334488416"/>
-      </p:ext>
-    </p:extLst>
-  </p:cSld>
-  <p:clrMapOvr>
-    <a:masterClrMapping/>
-  </p:clrMapOvr>
 </p:sld>
 </file>
 
